--- a/ph project ironhub.pptx
+++ b/ph project ironhub.pptx
@@ -116,6 +116,11 @@
       </a:defRPr>
     </a:lvl9pPr>
   </p:defaultTextStyle>
+  <p:extLst>
+    <p:ext uri="{EFAFB233-063F-42B5-8137-9DF3F51BA10A}">
+      <p15:sldGuideLst xmlns:p15="http://schemas.microsoft.com/office/powerpoint/2012/main"/>
+    </p:ext>
+  </p:extLst>
 </p:presentation>
 </file>
 
@@ -268,7 +273,7 @@
           <a:p>
             <a:fld id="{A0A8350D-4F4F-4085-9117-78E0274D1161}" type="datetimeFigureOut">
               <a:rPr lang="en-GB" smtClean="0"/>
-              <a:t>19/06/2021</a:t>
+              <a:t>29/06/2021</a:t>
             </a:fld>
             <a:endParaRPr lang="en-GB"/>
           </a:p>
@@ -468,7 +473,7 @@
           <a:p>
             <a:fld id="{A0A8350D-4F4F-4085-9117-78E0274D1161}" type="datetimeFigureOut">
               <a:rPr lang="en-GB" smtClean="0"/>
-              <a:t>19/06/2021</a:t>
+              <a:t>29/06/2021</a:t>
             </a:fld>
             <a:endParaRPr lang="en-GB"/>
           </a:p>
@@ -678,7 +683,7 @@
           <a:p>
             <a:fld id="{A0A8350D-4F4F-4085-9117-78E0274D1161}" type="datetimeFigureOut">
               <a:rPr lang="en-GB" smtClean="0"/>
-              <a:t>19/06/2021</a:t>
+              <a:t>29/06/2021</a:t>
             </a:fld>
             <a:endParaRPr lang="en-GB"/>
           </a:p>
@@ -878,7 +883,7 @@
           <a:p>
             <a:fld id="{A0A8350D-4F4F-4085-9117-78E0274D1161}" type="datetimeFigureOut">
               <a:rPr lang="en-GB" smtClean="0"/>
-              <a:t>19/06/2021</a:t>
+              <a:t>29/06/2021</a:t>
             </a:fld>
             <a:endParaRPr lang="en-GB"/>
           </a:p>
@@ -1154,7 +1159,7 @@
           <a:p>
             <a:fld id="{A0A8350D-4F4F-4085-9117-78E0274D1161}" type="datetimeFigureOut">
               <a:rPr lang="en-GB" smtClean="0"/>
-              <a:t>19/06/2021</a:t>
+              <a:t>29/06/2021</a:t>
             </a:fld>
             <a:endParaRPr lang="en-GB"/>
           </a:p>
@@ -1422,7 +1427,7 @@
           <a:p>
             <a:fld id="{A0A8350D-4F4F-4085-9117-78E0274D1161}" type="datetimeFigureOut">
               <a:rPr lang="en-GB" smtClean="0"/>
-              <a:t>19/06/2021</a:t>
+              <a:t>29/06/2021</a:t>
             </a:fld>
             <a:endParaRPr lang="en-GB"/>
           </a:p>
@@ -1837,7 +1842,7 @@
           <a:p>
             <a:fld id="{A0A8350D-4F4F-4085-9117-78E0274D1161}" type="datetimeFigureOut">
               <a:rPr lang="en-GB" smtClean="0"/>
-              <a:t>19/06/2021</a:t>
+              <a:t>29/06/2021</a:t>
             </a:fld>
             <a:endParaRPr lang="en-GB"/>
           </a:p>
@@ -1979,7 +1984,7 @@
           <a:p>
             <a:fld id="{A0A8350D-4F4F-4085-9117-78E0274D1161}" type="datetimeFigureOut">
               <a:rPr lang="en-GB" smtClean="0"/>
-              <a:t>19/06/2021</a:t>
+              <a:t>29/06/2021</a:t>
             </a:fld>
             <a:endParaRPr lang="en-GB"/>
           </a:p>
@@ -2092,7 +2097,7 @@
           <a:p>
             <a:fld id="{A0A8350D-4F4F-4085-9117-78E0274D1161}" type="datetimeFigureOut">
               <a:rPr lang="en-GB" smtClean="0"/>
-              <a:t>19/06/2021</a:t>
+              <a:t>29/06/2021</a:t>
             </a:fld>
             <a:endParaRPr lang="en-GB"/>
           </a:p>
@@ -2405,7 +2410,7 @@
           <a:p>
             <a:fld id="{A0A8350D-4F4F-4085-9117-78E0274D1161}" type="datetimeFigureOut">
               <a:rPr lang="en-GB" smtClean="0"/>
-              <a:t>19/06/2021</a:t>
+              <a:t>29/06/2021</a:t>
             </a:fld>
             <a:endParaRPr lang="en-GB"/>
           </a:p>
@@ -2694,7 +2699,7 @@
           <a:p>
             <a:fld id="{A0A8350D-4F4F-4085-9117-78E0274D1161}" type="datetimeFigureOut">
               <a:rPr lang="en-GB" smtClean="0"/>
-              <a:t>19/06/2021</a:t>
+              <a:t>29/06/2021</a:t>
             </a:fld>
             <a:endParaRPr lang="en-GB"/>
           </a:p>
@@ -2937,7 +2942,7 @@
           <a:p>
             <a:fld id="{A0A8350D-4F4F-4085-9117-78E0274D1161}" type="datetimeFigureOut">
               <a:rPr lang="en-GB" smtClean="0"/>
-              <a:t>19/06/2021</a:t>
+              <a:t>29/06/2021</a:t>
             </a:fld>
             <a:endParaRPr lang="en-GB"/>
           </a:p>
@@ -5298,8 +5303,8 @@
         </p:nvSpPr>
         <p:spPr>
           <a:xfrm>
-            <a:off x="7070551" y="5995320"/>
-            <a:ext cx="2686050" cy="369332"/>
+            <a:off x="6320901" y="5845880"/>
+            <a:ext cx="4509898" cy="646331"/>
           </a:xfrm>
           <a:prstGeom prst="rect">
             <a:avLst/>
@@ -5318,9 +5323,18 @@
               </a:rPr>
               <a:t>http://127.0.0.1:5000/rec</a:t>
             </a:r>
+            <a:endParaRPr lang="en-GB" dirty="0"/>
+          </a:p>
+          <a:p>
+            <a:r>
+              <a:rPr lang="en-GB" dirty="0">
+                <a:hlinkClick r:id="rId3"/>
+              </a:rPr>
+              <a:t>https://lucaciceu.pythonanywhere.com/rec</a:t>
+            </a:r>
             <a:r>
               <a:rPr lang="en-GB" dirty="0"/>
-              <a:t> </a:t>
+              <a:t>  </a:t>
             </a:r>
           </a:p>
         </p:txBody>
@@ -5428,7 +5442,7 @@
           <p:nvPr/>
         </p:nvPicPr>
         <p:blipFill>
-          <a:blip r:embed="rId3"/>
+          <a:blip r:embed="rId4"/>
           <a:stretch>
             <a:fillRect/>
           </a:stretch>
@@ -5458,7 +5472,7 @@
           <p:nvPr/>
         </p:nvPicPr>
         <p:blipFill>
-          <a:blip r:embed="rId4">
+          <a:blip r:embed="rId5">
             <a:extLst>
               <a:ext uri="{28A0092B-C50C-407E-A947-70E740481C1C}">
                 <a14:useLocalDpi xmlns:a14="http://schemas.microsoft.com/office/drawing/2010/main" val="0"/>
